--- a/汇报/汇报.pptx
+++ b/汇报/汇报.pptx
@@ -5,7 +5,7 @@
     <p:sldMasterId id="2147483648" r:id="rId1"/>
   </p:sldMasterIdLst>
   <p:notesMasterIdLst>
-    <p:notesMasterId r:id="rId20"/>
+    <p:notesMasterId r:id="rId19"/>
   </p:notesMasterIdLst>
   <p:sldIdLst>
     <p:sldId id="256" r:id="rId2"/>
@@ -23,14 +23,13 @@
     <p:sldId id="282" r:id="rId14"/>
     <p:sldId id="283" r:id="rId15"/>
     <p:sldId id="279" r:id="rId16"/>
-    <p:sldId id="284" r:id="rId17"/>
-    <p:sldId id="285" r:id="rId18"/>
-    <p:sldId id="261" r:id="rId19"/>
+    <p:sldId id="285" r:id="rId17"/>
+    <p:sldId id="261" r:id="rId18"/>
   </p:sldIdLst>
   <p:sldSz cx="12192000" cy="6858000"/>
   <p:notesSz cx="6858000" cy="9144000"/>
   <p:custDataLst>
-    <p:tags r:id="rId21"/>
+    <p:tags r:id="rId20"/>
   </p:custDataLst>
   <p:defaultTextStyle>
     <a:defPPr>
@@ -217,7 +216,7 @@
           <a:p>
             <a:fld id="{E86D8963-CFCD-4740-AF60-049850373CDF}" type="datetimeFigureOut">
               <a:rPr lang="zh-CN" altLang="en-US" smtClean="0"/>
-              <a:t>2021/1/3</a:t>
+              <a:t>2021/3/31</a:t>
             </a:fld>
             <a:endParaRPr lang="zh-CN" altLang="en-US"/>
           </a:p>
@@ -1159,7 +1158,7 @@
             <a:fld id="{6489D9C7-5DC6-4263-87FF-7C99F6FB63C3}" type="datetime1">
               <a:rPr lang="zh-CN" altLang="en-US" smtClean="0"/>
               <a:pPr/>
-              <a:t>2021/1/3</a:t>
+              <a:t>2021/3/31</a:t>
             </a:fld>
             <a:endParaRPr lang="zh-CN" altLang="en-US"/>
           </a:p>
@@ -1283,7 +1282,7 @@
             <a:fld id="{6489D9C7-5DC6-4263-87FF-7C99F6FB63C3}" type="datetime1">
               <a:rPr lang="zh-CN" altLang="en-US" smtClean="0"/>
               <a:pPr/>
-              <a:t>2021/1/3</a:t>
+              <a:t>2021/3/31</a:t>
             </a:fld>
             <a:endParaRPr lang="zh-CN" altLang="en-US"/>
           </a:p>
@@ -1808,7 +1807,7 @@
             <a:fld id="{6489D9C7-5DC6-4263-87FF-7C99F6FB63C3}" type="datetime1">
               <a:rPr lang="zh-CN" altLang="en-US" smtClean="0"/>
               <a:pPr/>
-              <a:t>2021/1/3</a:t>
+              <a:t>2021/3/31</a:t>
             </a:fld>
             <a:endParaRPr lang="zh-CN" altLang="en-US"/>
           </a:p>
@@ -2362,7 +2361,7 @@
           <a:p>
             <a:r>
               <a:rPr lang="zh-CN" altLang="en-US" dirty="0"/>
-              <a:t>朱文强</a:t>
+              <a:t>朱文强 指导老师：赵蕴龙 教授</a:t>
             </a:r>
             <a:endParaRPr lang="en-US" altLang="zh-CN" dirty="0"/>
           </a:p>
@@ -2660,13 +2659,49 @@
           <a:lstStyle/>
           <a:p>
             <a:r>
-              <a:rPr lang="en-US" altLang="zh-CN" dirty="0"/>
-              <a:t>2021.1</a:t>
+              <a:rPr lang="en-US" altLang="zh-CN"/>
+              <a:t>2021.3</a:t>
             </a:r>
             <a:endParaRPr lang="zh-CN" altLang="en-US" dirty="0"/>
           </a:p>
         </p:txBody>
       </p:sp>
+      <p:pic>
+        <p:nvPicPr>
+          <p:cNvPr id="16" name="图片 15">
+            <a:extLst>
+              <a:ext uri="{FF2B5EF4-FFF2-40B4-BE49-F238E27FC236}">
+                <a16:creationId xmlns:a16="http://schemas.microsoft.com/office/drawing/2014/main" id="{5058AB41-7757-445E-B4B8-B977931FE962}"/>
+              </a:ext>
+            </a:extLst>
+          </p:cNvPr>
+          <p:cNvPicPr>
+            <a:picLocks noChangeAspect="1"/>
+          </p:cNvPicPr>
+          <p:nvPr/>
+        </p:nvPicPr>
+        <p:blipFill>
+          <a:blip r:embed="rId3">
+            <a:extLst>
+              <a:ext uri="{28A0092B-C50C-407E-A947-70E740481C1C}">
+                <a14:useLocalDpi xmlns:a14="http://schemas.microsoft.com/office/drawing/2010/main" val="0"/>
+              </a:ext>
+            </a:extLst>
+          </a:blip>
+          <a:stretch>
+            <a:fillRect/>
+          </a:stretch>
+        </p:blipFill>
+        <p:spPr>
+          <a:xfrm>
+            <a:off x="10580376" y="0"/>
+            <a:ext cx="1611624" cy="1590231"/>
+          </a:xfrm>
+          <a:prstGeom prst="rect">
+            <a:avLst/>
+          </a:prstGeom>
+        </p:spPr>
+      </p:pic>
     </p:spTree>
     <p:extLst>
       <p:ext uri="{BB962C8B-B14F-4D97-AF65-F5344CB8AC3E}">
@@ -2769,8 +2804,8 @@
         </p:nvSpPr>
         <p:spPr>
           <a:xfrm>
-            <a:off x="7541018" y="1826607"/>
-            <a:ext cx="2723823" cy="369332"/>
+            <a:off x="7125381" y="1067325"/>
+            <a:ext cx="2262158" cy="369332"/>
           </a:xfrm>
           <a:prstGeom prst="rect">
             <a:avLst/>
@@ -2785,41 +2820,11 @@
           <a:p>
             <a:r>
               <a:rPr lang="zh-CN" altLang="en-US" dirty="0"/>
-              <a:t>目前使用到的外设资源：</a:t>
+              <a:t>使用到的外设资源：</a:t>
             </a:r>
           </a:p>
         </p:txBody>
       </p:sp>
-      <p:pic>
-        <p:nvPicPr>
-          <p:cNvPr id="43" name="图片 42">
-            <a:extLst>
-              <a:ext uri="{FF2B5EF4-FFF2-40B4-BE49-F238E27FC236}">
-                <a16:creationId xmlns:a16="http://schemas.microsoft.com/office/drawing/2014/main" id="{EF072978-8121-433B-A6CF-25EC5B71A36C}"/>
-              </a:ext>
-            </a:extLst>
-          </p:cNvPr>
-          <p:cNvPicPr>
-            <a:picLocks noChangeAspect="1"/>
-          </p:cNvPicPr>
-          <p:nvPr/>
-        </p:nvPicPr>
-        <p:blipFill>
-          <a:blip r:embed="rId2"/>
-          <a:stretch>
-            <a:fillRect/>
-          </a:stretch>
-        </p:blipFill>
-        <p:spPr>
-          <a:xfrm>
-            <a:off x="0" y="1067325"/>
-            <a:ext cx="6619385" cy="5790675"/>
-          </a:xfrm>
-          <a:prstGeom prst="rect">
-            <a:avLst/>
-          </a:prstGeom>
-        </p:spPr>
-      </p:pic>
       <p:sp>
         <p:nvSpPr>
           <p:cNvPr id="52" name="文本框 51">
@@ -2834,8 +2839,8 @@
         </p:nvSpPr>
         <p:spPr>
           <a:xfrm>
-            <a:off x="7541020" y="2307054"/>
-            <a:ext cx="3057247" cy="369332"/>
+            <a:off x="7125381" y="1487736"/>
+            <a:ext cx="3457037" cy="369332"/>
           </a:xfrm>
           <a:prstGeom prst="rect">
             <a:avLst/>
@@ -2848,6 +2853,10 @@
           </a:bodyPr>
           <a:lstStyle/>
           <a:p>
+            <a:pPr marL="285750" indent="-285750">
+              <a:buFont typeface="Arial" panose="020B0604020202020204" pitchFamily="34" charset="0"/>
+              <a:buChar char="•"/>
+            </a:pPr>
             <a:r>
               <a:rPr lang="en-US" altLang="zh-CN" dirty="0"/>
               <a:t>USART1</a:t>
@@ -2873,8 +2882,8 @@
         </p:nvSpPr>
         <p:spPr>
           <a:xfrm>
-            <a:off x="7541019" y="2786026"/>
-            <a:ext cx="2954655" cy="369332"/>
+            <a:off x="7125381" y="1874211"/>
+            <a:ext cx="3354444" cy="369332"/>
           </a:xfrm>
           <a:prstGeom prst="rect">
             <a:avLst/>
@@ -2887,6 +2896,10 @@
           </a:bodyPr>
           <a:lstStyle/>
           <a:p>
+            <a:pPr marL="285750" indent="-285750">
+              <a:buFont typeface="Arial" panose="020B0604020202020204" pitchFamily="34" charset="0"/>
+              <a:buChar char="•"/>
+            </a:pPr>
             <a:r>
               <a:rPr lang="en-US" altLang="zh-CN" dirty="0"/>
               <a:t>USART2</a:t>
@@ -2920,8 +2933,8 @@
         </p:nvSpPr>
         <p:spPr>
           <a:xfrm>
-            <a:off x="7541019" y="3264998"/>
-            <a:ext cx="2826415" cy="369332"/>
+            <a:off x="7125381" y="2234931"/>
+            <a:ext cx="3226204" cy="369332"/>
           </a:xfrm>
           <a:prstGeom prst="rect">
             <a:avLst/>
@@ -2934,6 +2947,10 @@
           </a:bodyPr>
           <a:lstStyle/>
           <a:p>
+            <a:pPr marL="285750" indent="-285750">
+              <a:buFont typeface="Arial" panose="020B0604020202020204" pitchFamily="34" charset="0"/>
+              <a:buChar char="•"/>
+            </a:pPr>
             <a:r>
               <a:rPr lang="en-US" altLang="zh-CN" dirty="0"/>
               <a:t>USART3</a:t>
@@ -2959,8 +2976,8 @@
         </p:nvSpPr>
         <p:spPr>
           <a:xfrm>
-            <a:off x="7541018" y="3743970"/>
-            <a:ext cx="2531462" cy="369332"/>
+            <a:off x="7125381" y="3338749"/>
+            <a:ext cx="2845651" cy="369332"/>
           </a:xfrm>
           <a:prstGeom prst="rect">
             <a:avLst/>
@@ -2973,6 +2990,10 @@
           </a:bodyPr>
           <a:lstStyle/>
           <a:p>
+            <a:pPr marL="285750" indent="-285750">
+              <a:buFont typeface="Arial" panose="020B0604020202020204" pitchFamily="34" charset="0"/>
+              <a:buChar char="•"/>
+            </a:pPr>
             <a:r>
               <a:rPr lang="en-US" altLang="zh-CN" dirty="0"/>
               <a:t>TIM2</a:t>
@@ -2998,8 +3019,8 @@
         </p:nvSpPr>
         <p:spPr>
           <a:xfrm>
-            <a:off x="7541018" y="4169111"/>
-            <a:ext cx="3243196" cy="369332"/>
+            <a:off x="7125381" y="3728684"/>
+            <a:ext cx="3563796" cy="369332"/>
           </a:xfrm>
           <a:prstGeom prst="rect">
             <a:avLst/>
@@ -3012,6 +3033,10 @@
           </a:bodyPr>
           <a:lstStyle/>
           <a:p>
+            <a:pPr marL="285750" indent="-285750">
+              <a:buFont typeface="Arial" panose="020B0604020202020204" pitchFamily="34" charset="0"/>
+              <a:buChar char="•"/>
+            </a:pPr>
             <a:r>
               <a:rPr lang="en-US" altLang="zh-CN" dirty="0"/>
               <a:t>TIM10</a:t>
@@ -3045,8 +3070,8 @@
         </p:nvSpPr>
         <p:spPr>
           <a:xfrm>
-            <a:off x="7541018" y="4594252"/>
-            <a:ext cx="2177199" cy="369332"/>
+            <a:off x="7125381" y="4098016"/>
+            <a:ext cx="2525050" cy="369332"/>
           </a:xfrm>
           <a:prstGeom prst="rect">
             <a:avLst/>
@@ -3059,6 +3084,10 @@
           </a:bodyPr>
           <a:lstStyle/>
           <a:p>
+            <a:pPr marL="285750" indent="-285750">
+              <a:buFont typeface="Arial" panose="020B0604020202020204" pitchFamily="34" charset="0"/>
+              <a:buChar char="•"/>
+            </a:pPr>
             <a:r>
               <a:rPr lang="en-US" altLang="zh-CN" dirty="0"/>
               <a:t>PB8</a:t>
@@ -3084,8 +3113,8 @@
         </p:nvSpPr>
         <p:spPr>
           <a:xfrm>
-            <a:off x="7541018" y="5073224"/>
-            <a:ext cx="2658100" cy="369332"/>
+            <a:off x="7125381" y="4459223"/>
+            <a:ext cx="2969595" cy="369332"/>
           </a:xfrm>
           <a:prstGeom prst="rect">
             <a:avLst/>
@@ -3098,6 +3127,10 @@
           </a:bodyPr>
           <a:lstStyle/>
           <a:p>
+            <a:pPr marL="285750" indent="-285750">
+              <a:buFont typeface="Arial" panose="020B0604020202020204" pitchFamily="34" charset="0"/>
+              <a:buChar char="•"/>
+            </a:pPr>
             <a:r>
               <a:rPr lang="en-US" altLang="zh-CN" dirty="0"/>
               <a:t>PA0</a:t>
@@ -3109,6 +3142,258 @@
           </a:p>
         </p:txBody>
       </p:sp>
+      <p:sp>
+        <p:nvSpPr>
+          <p:cNvPr id="15" name="文本框 14">
+            <a:extLst>
+              <a:ext uri="{FF2B5EF4-FFF2-40B4-BE49-F238E27FC236}">
+                <a16:creationId xmlns:a16="http://schemas.microsoft.com/office/drawing/2014/main" id="{403F9205-145E-46CB-9431-360656C4DC91}"/>
+              </a:ext>
+            </a:extLst>
+          </p:cNvPr>
+          <p:cNvSpPr txBox="1"/>
+          <p:nvPr/>
+        </p:nvSpPr>
+        <p:spPr>
+          <a:xfrm>
+            <a:off x="7125381" y="2608210"/>
+            <a:ext cx="3303148" cy="369332"/>
+          </a:xfrm>
+          <a:prstGeom prst="rect">
+            <a:avLst/>
+          </a:prstGeom>
+          <a:noFill/>
+        </p:spPr>
+        <p:txBody>
+          <a:bodyPr wrap="none" rtlCol="0">
+            <a:spAutoFit/>
+          </a:bodyPr>
+          <a:lstStyle/>
+          <a:p>
+            <a:pPr marL="285750" indent="-285750">
+              <a:buFont typeface="Arial" panose="020B0604020202020204" pitchFamily="34" charset="0"/>
+              <a:buChar char="•"/>
+            </a:pPr>
+            <a:r>
+              <a:rPr lang="en-US" altLang="zh-CN" dirty="0"/>
+              <a:t>UART5</a:t>
+            </a:r>
+            <a:r>
+              <a:rPr lang="zh-CN" altLang="en-US" dirty="0"/>
+              <a:t>：超声波传感器串口</a:t>
+            </a:r>
+          </a:p>
+        </p:txBody>
+      </p:sp>
+      <p:sp>
+        <p:nvSpPr>
+          <p:cNvPr id="16" name="文本框 15">
+            <a:extLst>
+              <a:ext uri="{FF2B5EF4-FFF2-40B4-BE49-F238E27FC236}">
+                <a16:creationId xmlns:a16="http://schemas.microsoft.com/office/drawing/2014/main" id="{7725B0F8-2F0C-4EAD-90DA-917BB801E232}"/>
+              </a:ext>
+            </a:extLst>
+          </p:cNvPr>
+          <p:cNvSpPr txBox="1"/>
+          <p:nvPr/>
+        </p:nvSpPr>
+        <p:spPr>
+          <a:xfrm>
+            <a:off x="7125381" y="2971526"/>
+            <a:ext cx="2610651" cy="369332"/>
+          </a:xfrm>
+          <a:prstGeom prst="rect">
+            <a:avLst/>
+          </a:prstGeom>
+          <a:noFill/>
+        </p:spPr>
+        <p:txBody>
+          <a:bodyPr wrap="none" rtlCol="0">
+            <a:spAutoFit/>
+          </a:bodyPr>
+          <a:lstStyle/>
+          <a:p>
+            <a:pPr marL="285750" indent="-285750">
+              <a:buFont typeface="Arial" panose="020B0604020202020204" pitchFamily="34" charset="0"/>
+              <a:buChar char="•"/>
+            </a:pPr>
+            <a:r>
+              <a:rPr lang="en-US" altLang="zh-CN" dirty="0"/>
+              <a:t>UART6</a:t>
+            </a:r>
+            <a:r>
+              <a:rPr lang="zh-CN" altLang="en-US" dirty="0"/>
+              <a:t>：扫码器串口</a:t>
+            </a:r>
+          </a:p>
+        </p:txBody>
+      </p:sp>
+      <p:sp>
+        <p:nvSpPr>
+          <p:cNvPr id="17" name="文本框 16">
+            <a:extLst>
+              <a:ext uri="{FF2B5EF4-FFF2-40B4-BE49-F238E27FC236}">
+                <a16:creationId xmlns:a16="http://schemas.microsoft.com/office/drawing/2014/main" id="{CA292342-D4CE-44EB-A2C5-C5B3758906BF}"/>
+              </a:ext>
+            </a:extLst>
+          </p:cNvPr>
+          <p:cNvSpPr txBox="1"/>
+          <p:nvPr/>
+        </p:nvSpPr>
+        <p:spPr>
+          <a:xfrm>
+            <a:off x="7125381" y="4814294"/>
+            <a:ext cx="2896947" cy="369332"/>
+          </a:xfrm>
+          <a:prstGeom prst="rect">
+            <a:avLst/>
+          </a:prstGeom>
+          <a:noFill/>
+        </p:spPr>
+        <p:txBody>
+          <a:bodyPr wrap="none" rtlCol="0">
+            <a:spAutoFit/>
+          </a:bodyPr>
+          <a:lstStyle/>
+          <a:p>
+            <a:pPr marL="285750" indent="-285750">
+              <a:buFont typeface="Arial" panose="020B0604020202020204" pitchFamily="34" charset="0"/>
+              <a:buChar char="•"/>
+            </a:pPr>
+            <a:r>
+              <a:rPr lang="en-US" altLang="zh-CN" dirty="0"/>
+              <a:t>PC10</a:t>
+            </a:r>
+            <a:r>
+              <a:rPr lang="zh-CN" altLang="en-US" dirty="0"/>
+              <a:t>：桶盖限位器引脚</a:t>
+            </a:r>
+          </a:p>
+        </p:txBody>
+      </p:sp>
+      <p:sp>
+        <p:nvSpPr>
+          <p:cNvPr id="18" name="文本框 17">
+            <a:extLst>
+              <a:ext uri="{FF2B5EF4-FFF2-40B4-BE49-F238E27FC236}">
+                <a16:creationId xmlns:a16="http://schemas.microsoft.com/office/drawing/2014/main" id="{5583568A-1B7F-489A-96F3-FC50EB753180}"/>
+              </a:ext>
+            </a:extLst>
+          </p:cNvPr>
+          <p:cNvSpPr txBox="1"/>
+          <p:nvPr/>
+        </p:nvSpPr>
+        <p:spPr>
+          <a:xfrm>
+            <a:off x="7125381" y="5574531"/>
+            <a:ext cx="4910319" cy="646331"/>
+          </a:xfrm>
+          <a:prstGeom prst="rect">
+            <a:avLst/>
+          </a:prstGeom>
+          <a:noFill/>
+        </p:spPr>
+        <p:txBody>
+          <a:bodyPr wrap="none" rtlCol="0">
+            <a:spAutoFit/>
+          </a:bodyPr>
+          <a:lstStyle/>
+          <a:p>
+            <a:pPr marL="285750" indent="-285750">
+              <a:buFont typeface="Arial" panose="020B0604020202020204" pitchFamily="34" charset="0"/>
+              <a:buChar char="•"/>
+            </a:pPr>
+            <a:r>
+              <a:rPr lang="en-US" altLang="zh-CN" dirty="0"/>
+              <a:t>PB3,PB4,PB5</a:t>
+            </a:r>
+            <a:r>
+              <a:rPr lang="zh-CN" altLang="en-US" dirty="0"/>
+              <a:t>：桶满指示器，超重指示器，</a:t>
+            </a:r>
+            <a:endParaRPr lang="en-US" altLang="zh-CN" dirty="0"/>
+          </a:p>
+          <a:p>
+            <a:r>
+              <a:rPr lang="zh-CN" altLang="en-US" dirty="0"/>
+              <a:t>危险指示器引脚</a:t>
+            </a:r>
+          </a:p>
+        </p:txBody>
+      </p:sp>
+      <p:sp>
+        <p:nvSpPr>
+          <p:cNvPr id="19" name="文本框 18">
+            <a:extLst>
+              <a:ext uri="{FF2B5EF4-FFF2-40B4-BE49-F238E27FC236}">
+                <a16:creationId xmlns:a16="http://schemas.microsoft.com/office/drawing/2014/main" id="{ABD0FBF7-6CBB-4201-8B44-1CC29A85DC35}"/>
+              </a:ext>
+            </a:extLst>
+          </p:cNvPr>
+          <p:cNvSpPr txBox="1"/>
+          <p:nvPr/>
+        </p:nvSpPr>
+        <p:spPr>
+          <a:xfrm>
+            <a:off x="7125381" y="5185598"/>
+            <a:ext cx="2755883" cy="369332"/>
+          </a:xfrm>
+          <a:prstGeom prst="rect">
+            <a:avLst/>
+          </a:prstGeom>
+          <a:noFill/>
+        </p:spPr>
+        <p:txBody>
+          <a:bodyPr wrap="none" rtlCol="0">
+            <a:spAutoFit/>
+          </a:bodyPr>
+          <a:lstStyle/>
+          <a:p>
+            <a:pPr marL="285750" indent="-285750">
+              <a:buFont typeface="Arial" panose="020B0604020202020204" pitchFamily="34" charset="0"/>
+              <a:buChar char="•"/>
+            </a:pPr>
+            <a:r>
+              <a:rPr lang="en-US" altLang="zh-CN" dirty="0"/>
+              <a:t>PE2</a:t>
+            </a:r>
+            <a:r>
+              <a:rPr lang="zh-CN" altLang="en-US" dirty="0"/>
+              <a:t>：桶满传感器引脚</a:t>
+            </a:r>
+          </a:p>
+        </p:txBody>
+      </p:sp>
+      <p:pic>
+        <p:nvPicPr>
+          <p:cNvPr id="5" name="图片 4">
+            <a:extLst>
+              <a:ext uri="{FF2B5EF4-FFF2-40B4-BE49-F238E27FC236}">
+                <a16:creationId xmlns:a16="http://schemas.microsoft.com/office/drawing/2014/main" id="{13E1DC12-849E-43D9-ADDF-1FF5750DD6A6}"/>
+              </a:ext>
+            </a:extLst>
+          </p:cNvPr>
+          <p:cNvPicPr>
+            <a:picLocks noChangeAspect="1"/>
+          </p:cNvPicPr>
+          <p:nvPr/>
+        </p:nvPicPr>
+        <p:blipFill>
+          <a:blip r:embed="rId2"/>
+          <a:stretch>
+            <a:fillRect/>
+          </a:stretch>
+        </p:blipFill>
+        <p:spPr>
+          <a:xfrm>
+            <a:off x="877499" y="1067325"/>
+            <a:ext cx="5555385" cy="5357536"/>
+          </a:xfrm>
+          <a:prstGeom prst="rect">
+            <a:avLst/>
+          </a:prstGeom>
+        </p:spPr>
+      </p:pic>
     </p:spTree>
     <p:extLst>
       <p:ext uri="{BB962C8B-B14F-4D97-AF65-F5344CB8AC3E}">
@@ -3622,36 +3907,6 @@
           </a:p>
         </p:txBody>
       </p:sp>
-      <p:pic>
-        <p:nvPicPr>
-          <p:cNvPr id="112" name="图片 111">
-            <a:extLst>
-              <a:ext uri="{FF2B5EF4-FFF2-40B4-BE49-F238E27FC236}">
-                <a16:creationId xmlns:a16="http://schemas.microsoft.com/office/drawing/2014/main" id="{5056378E-7258-4D3A-9026-5220028BBC80}"/>
-              </a:ext>
-            </a:extLst>
-          </p:cNvPr>
-          <p:cNvPicPr>
-            <a:picLocks noChangeAspect="1"/>
-          </p:cNvPicPr>
-          <p:nvPr/>
-        </p:nvPicPr>
-        <p:blipFill>
-          <a:blip r:embed="rId3"/>
-          <a:stretch>
-            <a:fillRect/>
-          </a:stretch>
-        </p:blipFill>
-        <p:spPr>
-          <a:xfrm>
-            <a:off x="669924" y="2773118"/>
-            <a:ext cx="10792669" cy="971429"/>
-          </a:xfrm>
-          <a:prstGeom prst="rect">
-            <a:avLst/>
-          </a:prstGeom>
-        </p:spPr>
-      </p:pic>
       <p:sp>
         <p:nvSpPr>
           <p:cNvPr id="113" name="文本框 112">
@@ -3666,7 +3921,7 @@
         </p:nvSpPr>
         <p:spPr>
           <a:xfrm>
-            <a:off x="669924" y="4068041"/>
+            <a:off x="669924" y="4409787"/>
             <a:ext cx="7148111" cy="369332"/>
           </a:xfrm>
           <a:prstGeom prst="rect">
@@ -3692,6 +3947,36 @@
           </a:p>
         </p:txBody>
       </p:sp>
+      <p:pic>
+        <p:nvPicPr>
+          <p:cNvPr id="5" name="图片 4">
+            <a:extLst>
+              <a:ext uri="{FF2B5EF4-FFF2-40B4-BE49-F238E27FC236}">
+                <a16:creationId xmlns:a16="http://schemas.microsoft.com/office/drawing/2014/main" id="{6AC1291C-506F-4781-878F-3291110409C6}"/>
+              </a:ext>
+            </a:extLst>
+          </p:cNvPr>
+          <p:cNvPicPr>
+            <a:picLocks noChangeAspect="1"/>
+          </p:cNvPicPr>
+          <p:nvPr/>
+        </p:nvPicPr>
+        <p:blipFill>
+          <a:blip r:embed="rId3"/>
+          <a:stretch>
+            <a:fillRect/>
+          </a:stretch>
+        </p:blipFill>
+        <p:spPr>
+          <a:xfrm>
+            <a:off x="0" y="2822400"/>
+            <a:ext cx="12192000" cy="1213200"/>
+          </a:xfrm>
+          <a:prstGeom prst="rect">
+            <a:avLst/>
+          </a:prstGeom>
+        </p:spPr>
+      </p:pic>
     </p:spTree>
     <p:extLst>
       <p:ext uri="{BB962C8B-B14F-4D97-AF65-F5344CB8AC3E}">
@@ -4156,36 +4441,6 @@
           </a:p>
         </p:txBody>
       </p:sp>
-      <p:pic>
-        <p:nvPicPr>
-          <p:cNvPr id="47" name="图片 46">
-            <a:extLst>
-              <a:ext uri="{FF2B5EF4-FFF2-40B4-BE49-F238E27FC236}">
-                <a16:creationId xmlns:a16="http://schemas.microsoft.com/office/drawing/2014/main" id="{7285EF30-D10B-4516-8FEF-2E362B912344}"/>
-              </a:ext>
-            </a:extLst>
-          </p:cNvPr>
-          <p:cNvPicPr>
-            <a:picLocks noChangeAspect="1"/>
-          </p:cNvPicPr>
-          <p:nvPr/>
-        </p:nvPicPr>
-        <p:blipFill>
-          <a:blip r:embed="rId2"/>
-          <a:stretch>
-            <a:fillRect/>
-          </a:stretch>
-        </p:blipFill>
-        <p:spPr>
-          <a:xfrm>
-            <a:off x="793315" y="1787570"/>
-            <a:ext cx="10603779" cy="3887500"/>
-          </a:xfrm>
-          <a:prstGeom prst="rect">
-            <a:avLst/>
-          </a:prstGeom>
-        </p:spPr>
-      </p:pic>
       <p:sp>
         <p:nvSpPr>
           <p:cNvPr id="49" name="文本框 48">
@@ -4221,6 +4476,66 @@
           </a:p>
         </p:txBody>
       </p:sp>
+      <p:pic>
+        <p:nvPicPr>
+          <p:cNvPr id="5" name="图片 4">
+            <a:extLst>
+              <a:ext uri="{FF2B5EF4-FFF2-40B4-BE49-F238E27FC236}">
+                <a16:creationId xmlns:a16="http://schemas.microsoft.com/office/drawing/2014/main" id="{3C10FE62-398E-4F1E-8FB1-6FDA892A2AA1}"/>
+              </a:ext>
+            </a:extLst>
+          </p:cNvPr>
+          <p:cNvPicPr>
+            <a:picLocks noChangeAspect="1"/>
+          </p:cNvPicPr>
+          <p:nvPr/>
+        </p:nvPicPr>
+        <p:blipFill>
+          <a:blip r:embed="rId2"/>
+          <a:stretch>
+            <a:fillRect/>
+          </a:stretch>
+        </p:blipFill>
+        <p:spPr>
+          <a:xfrm>
+            <a:off x="1035273" y="1552262"/>
+            <a:ext cx="10119864" cy="1263977"/>
+          </a:xfrm>
+          <a:prstGeom prst="rect">
+            <a:avLst/>
+          </a:prstGeom>
+        </p:spPr>
+      </p:pic>
+      <p:pic>
+        <p:nvPicPr>
+          <p:cNvPr id="7" name="图片 6">
+            <a:extLst>
+              <a:ext uri="{FF2B5EF4-FFF2-40B4-BE49-F238E27FC236}">
+                <a16:creationId xmlns:a16="http://schemas.microsoft.com/office/drawing/2014/main" id="{CAC334E9-DC18-4B93-A673-EF09559B0EEF}"/>
+              </a:ext>
+            </a:extLst>
+          </p:cNvPr>
+          <p:cNvPicPr>
+            <a:picLocks noChangeAspect="1"/>
+          </p:cNvPicPr>
+          <p:nvPr/>
+        </p:nvPicPr>
+        <p:blipFill>
+          <a:blip r:embed="rId3"/>
+          <a:stretch>
+            <a:fillRect/>
+          </a:stretch>
+        </p:blipFill>
+        <p:spPr>
+          <a:xfrm>
+            <a:off x="1051374" y="2816239"/>
+            <a:ext cx="10103763" cy="3727524"/>
+          </a:xfrm>
+          <a:prstGeom prst="rect">
+            <a:avLst/>
+          </a:prstGeom>
+        </p:spPr>
+      </p:pic>
     </p:spTree>
     <p:extLst>
       <p:ext uri="{BB962C8B-B14F-4D97-AF65-F5344CB8AC3E}">
@@ -4275,7 +4590,7 @@
           <a:p>
             <a:r>
               <a:rPr lang="zh-CN" altLang="en-US" dirty="0"/>
-              <a:t>进展</a:t>
+              <a:t>计划</a:t>
             </a:r>
             <a:endParaRPr lang="zh-CN" altLang="en-US" b="0" dirty="0"/>
           </a:p>
@@ -4428,9 +4743,10 @@
           <a:lstStyle/>
           <a:p>
             <a:r>
-              <a:rPr lang="zh-CN" altLang="en-US" dirty="0"/>
-              <a:t>进展</a:t>
+              <a:rPr lang="en-US" altLang="zh-CN" dirty="0"/>
+              <a:t>TODOs</a:t>
             </a:r>
+            <a:endParaRPr lang="zh-CN" altLang="en-US" dirty="0"/>
           </a:p>
         </p:txBody>
       </p:sp>
@@ -4466,234 +4782,6 @@
       </p:sp>
       <p:sp>
         <p:nvSpPr>
-          <p:cNvPr id="30" name="文本框 29">
-            <a:extLst>
-              <a:ext uri="{FF2B5EF4-FFF2-40B4-BE49-F238E27FC236}">
-                <a16:creationId xmlns:a16="http://schemas.microsoft.com/office/drawing/2014/main" id="{4038B891-A7B8-41BD-9293-36703D457B29}"/>
-              </a:ext>
-            </a:extLst>
-          </p:cNvPr>
-          <p:cNvSpPr txBox="1"/>
-          <p:nvPr/>
-        </p:nvSpPr>
-        <p:spPr>
-          <a:xfrm>
-            <a:off x="669924" y="1258028"/>
-            <a:ext cx="9974205" cy="369332"/>
-          </a:xfrm>
-          <a:prstGeom prst="rect">
-            <a:avLst/>
-          </a:prstGeom>
-          <a:noFill/>
-        </p:spPr>
-        <p:txBody>
-          <a:bodyPr wrap="none" rtlCol="0">
-            <a:spAutoFit/>
-          </a:bodyPr>
-          <a:lstStyle/>
-          <a:p>
-            <a:r>
-              <a:rPr lang="zh-CN" altLang="en-US" dirty="0"/>
-              <a:t>外设控制：已完成温湿度传感器，可燃气体传感器，重量传感器数据的读取和推杆状态的控制。</a:t>
-            </a:r>
-          </a:p>
-        </p:txBody>
-      </p:sp>
-      <p:sp>
-        <p:nvSpPr>
-          <p:cNvPr id="32" name="文本框 31">
-            <a:extLst>
-              <a:ext uri="{FF2B5EF4-FFF2-40B4-BE49-F238E27FC236}">
-                <a16:creationId xmlns:a16="http://schemas.microsoft.com/office/drawing/2014/main" id="{4839BB1D-38AC-4C04-813D-134E599AABD0}"/>
-              </a:ext>
-            </a:extLst>
-          </p:cNvPr>
-          <p:cNvSpPr txBox="1"/>
-          <p:nvPr/>
-        </p:nvSpPr>
-        <p:spPr>
-          <a:xfrm>
-            <a:off x="669924" y="1724935"/>
-            <a:ext cx="5690982" cy="369332"/>
-          </a:xfrm>
-          <a:prstGeom prst="rect">
-            <a:avLst/>
-          </a:prstGeom>
-          <a:noFill/>
-        </p:spPr>
-        <p:txBody>
-          <a:bodyPr wrap="none" rtlCol="0">
-            <a:spAutoFit/>
-          </a:bodyPr>
-          <a:lstStyle/>
-          <a:p>
-            <a:r>
-              <a:rPr lang="zh-CN" altLang="en-US" dirty="0"/>
-              <a:t>协议栈：根据前页推算的接口，已完成协议栈的调试。</a:t>
-            </a:r>
-          </a:p>
-        </p:txBody>
-      </p:sp>
-      <p:pic>
-        <p:nvPicPr>
-          <p:cNvPr id="34" name="图片 33">
-            <a:extLst>
-              <a:ext uri="{FF2B5EF4-FFF2-40B4-BE49-F238E27FC236}">
-                <a16:creationId xmlns:a16="http://schemas.microsoft.com/office/drawing/2014/main" id="{C10D82CE-E8DF-4CAC-898B-C9EA7DC3EDD1}"/>
-              </a:ext>
-            </a:extLst>
-          </p:cNvPr>
-          <p:cNvPicPr>
-            <a:picLocks noChangeAspect="1"/>
-          </p:cNvPicPr>
-          <p:nvPr/>
-        </p:nvPicPr>
-        <p:blipFill>
-          <a:blip r:embed="rId2"/>
-          <a:stretch>
-            <a:fillRect/>
-          </a:stretch>
-        </p:blipFill>
-        <p:spPr>
-          <a:xfrm>
-            <a:off x="2863046" y="2191842"/>
-            <a:ext cx="5587960" cy="4359235"/>
-          </a:xfrm>
-          <a:prstGeom prst="rect">
-            <a:avLst/>
-          </a:prstGeom>
-        </p:spPr>
-      </p:pic>
-    </p:spTree>
-    <p:extLst>
-      <p:ext uri="{BB962C8B-B14F-4D97-AF65-F5344CB8AC3E}">
-        <p14:creationId xmlns:p14="http://schemas.microsoft.com/office/powerpoint/2010/main" val="1228416801"/>
-      </p:ext>
-    </p:extLst>
-  </p:cSld>
-  <p:clrMapOvr>
-    <a:masterClrMapping/>
-  </p:clrMapOvr>
-</p:sld>
-</file>
-
-<file path=ppt/slides/slide17.xml><?xml version="1.0" encoding="utf-8"?>
-<p:sld xmlns:a="http://schemas.openxmlformats.org/drawingml/2006/main" xmlns:r="http://schemas.openxmlformats.org/officeDocument/2006/relationships" xmlns:p="http://schemas.openxmlformats.org/presentationml/2006/main">
-  <p:cSld>
-    <p:spTree>
-      <p:nvGrpSpPr>
-        <p:cNvPr id="1" name=""/>
-        <p:cNvGrpSpPr/>
-        <p:nvPr/>
-      </p:nvGrpSpPr>
-      <p:grpSpPr>
-        <a:xfrm>
-          <a:off x="0" y="0"/>
-          <a:ext cx="0" cy="0"/>
-          <a:chOff x="0" y="0"/>
-          <a:chExt cx="0" cy="0"/>
-        </a:xfrm>
-      </p:grpSpPr>
-      <p:sp>
-        <p:nvSpPr>
-          <p:cNvPr id="2" name="标题 1">
-            <a:extLst>
-              <a:ext uri="{FF2B5EF4-FFF2-40B4-BE49-F238E27FC236}">
-                <a16:creationId xmlns:a16="http://schemas.microsoft.com/office/drawing/2014/main" id="{4A134B6C-B2EB-40F4-AE53-404968D96401}"/>
-              </a:ext>
-            </a:extLst>
-          </p:cNvPr>
-          <p:cNvSpPr>
-            <a:spLocks noGrp="1"/>
-          </p:cNvSpPr>
-          <p:nvPr>
-            <p:ph type="title"/>
-          </p:nvPr>
-        </p:nvSpPr>
-        <p:spPr/>
-        <p:txBody>
-          <a:bodyPr/>
-          <a:lstStyle/>
-          <a:p>
-            <a:r>
-              <a:rPr lang="en-US" altLang="zh-CN" dirty="0"/>
-              <a:t>TODOs</a:t>
-            </a:r>
-            <a:endParaRPr lang="zh-CN" altLang="en-US" dirty="0"/>
-          </a:p>
-        </p:txBody>
-      </p:sp>
-      <p:sp>
-        <p:nvSpPr>
-          <p:cNvPr id="4" name="灯片编号占位符 3">
-            <a:extLst>
-              <a:ext uri="{FF2B5EF4-FFF2-40B4-BE49-F238E27FC236}">
-                <a16:creationId xmlns:a16="http://schemas.microsoft.com/office/drawing/2014/main" id="{69EFE09B-3939-4072-824B-09299B1373D1}"/>
-              </a:ext>
-            </a:extLst>
-          </p:cNvPr>
-          <p:cNvSpPr>
-            <a:spLocks noGrp="1"/>
-          </p:cNvSpPr>
-          <p:nvPr>
-            <p:ph type="sldNum" sz="quarter" idx="12"/>
-          </p:nvPr>
-        </p:nvSpPr>
-        <p:spPr/>
-        <p:txBody>
-          <a:bodyPr/>
-          <a:lstStyle/>
-          <a:p>
-            <a:fld id="{5DD3DB80-B894-403A-B48E-6FDC1A72010E}" type="slidenum">
-              <a:rPr lang="zh-CN" altLang="en-US" smtClean="0"/>
-              <a:pPr/>
-              <a:t>17</a:t>
-            </a:fld>
-            <a:endParaRPr lang="zh-CN" altLang="en-US"/>
-          </a:p>
-        </p:txBody>
-      </p:sp>
-      <p:sp>
-        <p:nvSpPr>
-          <p:cNvPr id="30" name="文本框 29">
-            <a:extLst>
-              <a:ext uri="{FF2B5EF4-FFF2-40B4-BE49-F238E27FC236}">
-                <a16:creationId xmlns:a16="http://schemas.microsoft.com/office/drawing/2014/main" id="{B8CDAD27-7E40-4C57-9AB5-3957AE5B7AAB}"/>
-              </a:ext>
-            </a:extLst>
-          </p:cNvPr>
-          <p:cNvSpPr txBox="1"/>
-          <p:nvPr/>
-        </p:nvSpPr>
-        <p:spPr>
-          <a:xfrm>
-            <a:off x="669924" y="1304622"/>
-            <a:ext cx="10136108" cy="369332"/>
-          </a:xfrm>
-          <a:prstGeom prst="rect">
-            <a:avLst/>
-          </a:prstGeom>
-          <a:noFill/>
-        </p:spPr>
-        <p:txBody>
-          <a:bodyPr wrap="none" rtlCol="0">
-            <a:spAutoFit/>
-          </a:bodyPr>
-          <a:lstStyle/>
-          <a:p>
-            <a:r>
-              <a:rPr lang="en-US" altLang="zh-CN" dirty="0"/>
-              <a:t>1. </a:t>
-            </a:r>
-            <a:r>
-              <a:rPr lang="zh-CN" altLang="en-US" dirty="0"/>
-              <a:t>桶满传感器（红外线传感开关），接近传感器（超声波传感器）和二维码扫码器等外设的接入。</a:t>
-            </a:r>
-          </a:p>
-        </p:txBody>
-      </p:sp>
-      <p:sp>
-        <p:nvSpPr>
           <p:cNvPr id="31" name="文本框 30">
             <a:extLst>
               <a:ext uri="{FF2B5EF4-FFF2-40B4-BE49-F238E27FC236}">
@@ -4707,7 +4795,7 @@
         <p:spPr>
           <a:xfrm>
             <a:off x="669924" y="1853068"/>
-            <a:ext cx="2287806" cy="369332"/>
+            <a:ext cx="3929281" cy="584775"/>
           </a:xfrm>
           <a:prstGeom prst="rect">
             <a:avLst/>
@@ -4720,12 +4808,12 @@
           </a:bodyPr>
           <a:lstStyle/>
           <a:p>
+            <a:pPr marL="457200" indent="-457200">
+              <a:buFont typeface="Arial" panose="020B0604020202020204" pitchFamily="34" charset="0"/>
+              <a:buChar char="•"/>
+            </a:pPr>
             <a:r>
-              <a:rPr lang="en-US" altLang="zh-CN" dirty="0"/>
-              <a:t>2. </a:t>
-            </a:r>
-            <a:r>
-              <a:rPr lang="zh-CN" altLang="en-US" dirty="0"/>
+              <a:rPr lang="zh-CN" altLang="en-US" sz="3200" b="1" dirty="0"/>
               <a:t>多从机组网测试。</a:t>
             </a:r>
           </a:p>
@@ -4746,7 +4834,7 @@
         <p:spPr>
           <a:xfrm>
             <a:off x="669924" y="2949960"/>
-            <a:ext cx="4365298" cy="369332"/>
+            <a:ext cx="8443337" cy="584775"/>
           </a:xfrm>
           <a:prstGeom prst="rect">
             <a:avLst/>
@@ -4759,60 +4847,13 @@
           </a:bodyPr>
           <a:lstStyle/>
           <a:p>
+            <a:pPr marL="457200" indent="-457200">
+              <a:buFont typeface="Arial" panose="020B0604020202020204" pitchFamily="34" charset="0"/>
+              <a:buChar char="•"/>
+            </a:pPr>
             <a:r>
-              <a:rPr lang="en-US" altLang="zh-CN" dirty="0"/>
-              <a:t>4. </a:t>
-            </a:r>
-            <a:r>
-              <a:rPr lang="zh-CN" altLang="en-US" dirty="0"/>
-              <a:t>从机系统故障自复位（使用看门狗）。</a:t>
-            </a:r>
-          </a:p>
-        </p:txBody>
-      </p:sp>
-      <p:sp>
-        <p:nvSpPr>
-          <p:cNvPr id="33" name="文本框 32">
-            <a:extLst>
-              <a:ext uri="{FF2B5EF4-FFF2-40B4-BE49-F238E27FC236}">
-                <a16:creationId xmlns:a16="http://schemas.microsoft.com/office/drawing/2014/main" id="{2FA629A1-340C-459F-BECB-DFE5BFE9B585}"/>
-              </a:ext>
-            </a:extLst>
-          </p:cNvPr>
-          <p:cNvSpPr txBox="1"/>
-          <p:nvPr/>
-        </p:nvSpPr>
-        <p:spPr>
-          <a:xfrm>
-            <a:off x="669924" y="2401514"/>
-            <a:ext cx="4596130" cy="369332"/>
-          </a:xfrm>
-          <a:prstGeom prst="rect">
-            <a:avLst/>
-          </a:prstGeom>
-          <a:noFill/>
-        </p:spPr>
-        <p:txBody>
-          <a:bodyPr wrap="none" rtlCol="0">
-            <a:spAutoFit/>
-          </a:bodyPr>
-          <a:lstStyle/>
-          <a:p>
-            <a:r>
-              <a:rPr lang="en-US" altLang="zh-CN" dirty="0"/>
-              <a:t>3. </a:t>
-            </a:r>
-            <a:r>
-              <a:rPr lang="zh-CN" altLang="en-US" dirty="0"/>
-              <a:t>从机系统状态指示，使用指示灯或</a:t>
-            </a:r>
-            <a:r>
-              <a:rPr lang="en-US" altLang="zh-CN" dirty="0"/>
-              <a:t>LCD</a:t>
-            </a:r>
-            <a:r>
-              <a:rPr lang="zh-CN" altLang="en-US" dirty="0"/>
-              <a:t>。</a:t>
+              <a:rPr lang="zh-CN" altLang="en-US" sz="3200" b="1" dirty="0"/>
+              <a:t>从机系统故障自复位（使用看门狗外设）。</a:t>
             </a:r>
           </a:p>
         </p:txBody>
@@ -4830,7 +4871,7 @@
 </p:sld>
 </file>
 
-<file path=ppt/slides/slide18.xml><?xml version="1.0" encoding="utf-8"?>
+<file path=ppt/slides/slide17.xml><?xml version="1.0" encoding="utf-8"?>
 <p:sld xmlns:a="http://schemas.openxmlformats.org/drawingml/2006/main" xmlns:r="http://schemas.openxmlformats.org/officeDocument/2006/relationships" xmlns:p="http://schemas.openxmlformats.org/presentationml/2006/main">
   <p:cSld>
     <p:spTree>
@@ -4866,7 +4907,7 @@
           <a:p>
             <a:r>
               <a:rPr lang="zh-CN" altLang="en-US" dirty="0"/>
-              <a:t>朱文强</a:t>
+              <a:t>朱文强 指导老师：赵蕴龙 教授</a:t>
             </a:r>
             <a:endParaRPr lang="en-US" altLang="zh-CN" dirty="0"/>
           </a:p>
@@ -7106,12 +7147,48 @@
           <a:p>
             <a:r>
               <a:rPr lang="en-US" altLang="zh-CN" dirty="0"/>
-              <a:t>2021.1</a:t>
+              <a:t>2021.3</a:t>
             </a:r>
             <a:endParaRPr lang="zh-CN" altLang="en-US" dirty="0"/>
           </a:p>
         </p:txBody>
       </p:sp>
+      <p:pic>
+        <p:nvPicPr>
+          <p:cNvPr id="14" name="图片 13">
+            <a:extLst>
+              <a:ext uri="{FF2B5EF4-FFF2-40B4-BE49-F238E27FC236}">
+                <a16:creationId xmlns:a16="http://schemas.microsoft.com/office/drawing/2014/main" id="{986C28DE-EC61-408B-870B-2A26E87677AC}"/>
+              </a:ext>
+            </a:extLst>
+          </p:cNvPr>
+          <p:cNvPicPr>
+            <a:picLocks noChangeAspect="1"/>
+          </p:cNvPicPr>
+          <p:nvPr/>
+        </p:nvPicPr>
+        <p:blipFill>
+          <a:blip r:embed="rId3">
+            <a:extLst>
+              <a:ext uri="{28A0092B-C50C-407E-A947-70E740481C1C}">
+                <a14:useLocalDpi xmlns:a14="http://schemas.microsoft.com/office/drawing/2010/main" val="0"/>
+              </a:ext>
+            </a:extLst>
+          </a:blip>
+          <a:stretch>
+            <a:fillRect/>
+          </a:stretch>
+        </p:blipFill>
+        <p:spPr>
+          <a:xfrm>
+            <a:off x="10455566" y="0"/>
+            <a:ext cx="1736434" cy="1713384"/>
+          </a:xfrm>
+          <a:prstGeom prst="rect">
+            <a:avLst/>
+          </a:prstGeom>
+        </p:spPr>
+      </p:pic>
     </p:spTree>
     <p:extLst>
       <p:ext uri="{BB962C8B-B14F-4D97-AF65-F5344CB8AC3E}">
@@ -7478,7 +7555,7 @@
               <a:pPr algn="r"/>
               <a:r>
                 <a:rPr lang="zh-CN" altLang="en-US" sz="1600" b="1" dirty="0"/>
-                <a:t>进展</a:t>
+                <a:t>计划</a:t>
               </a:r>
             </a:p>
           </p:txBody>
@@ -7519,7 +7596,7 @@
               </a:pPr>
               <a:r>
                 <a:rPr lang="zh-CN" altLang="en-US" sz="1050" dirty="0"/>
-                <a:t>从机系统数据采集</a:t>
+                <a:t>多机组网调试</a:t>
               </a:r>
               <a:r>
                 <a:rPr lang="en-US" altLang="zh-CN" sz="1050" dirty="0"/>
@@ -7535,12 +7612,8 @@
                 <a:buChar char="•"/>
               </a:pPr>
               <a:r>
-                <a:rPr lang="en-US" altLang="zh-CN" sz="1050" dirty="0"/>
-                <a:t>Modbus</a:t>
-              </a:r>
-              <a:r>
                 <a:rPr lang="zh-CN" altLang="en-US" sz="1050" dirty="0"/>
-                <a:t>协议栈调试</a:t>
+                <a:t>故障自复位</a:t>
               </a:r>
               <a:r>
                 <a:rPr lang="en-US" altLang="zh-CN" sz="1050" dirty="0"/>
@@ -21334,42 +21407,6 @@
           </a:p>
         </p:txBody>
       </p:sp>
-      <p:pic>
-        <p:nvPicPr>
-          <p:cNvPr id="57" name="图片 56">
-            <a:extLst>
-              <a:ext uri="{FF2B5EF4-FFF2-40B4-BE49-F238E27FC236}">
-                <a16:creationId xmlns:a16="http://schemas.microsoft.com/office/drawing/2014/main" id="{475FF64B-671D-4C5A-8AD4-F23953F48767}"/>
-              </a:ext>
-            </a:extLst>
-          </p:cNvPr>
-          <p:cNvPicPr>
-            <a:picLocks noChangeAspect="1"/>
-          </p:cNvPicPr>
-          <p:nvPr/>
-        </p:nvPicPr>
-        <p:blipFill>
-          <a:blip r:embed="rId2">
-            <a:extLst>
-              <a:ext uri="{28A0092B-C50C-407E-A947-70E740481C1C}">
-                <a14:useLocalDpi xmlns:a14="http://schemas.microsoft.com/office/drawing/2010/main" val="0"/>
-              </a:ext>
-            </a:extLst>
-          </a:blip>
-          <a:stretch>
-            <a:fillRect/>
-          </a:stretch>
-        </p:blipFill>
-        <p:spPr>
-          <a:xfrm>
-            <a:off x="3206563" y="2194482"/>
-            <a:ext cx="5777283" cy="4038566"/>
-          </a:xfrm>
-          <a:prstGeom prst="rect">
-            <a:avLst/>
-          </a:prstGeom>
-        </p:spPr>
-      </p:pic>
       <p:sp>
         <p:nvSpPr>
           <p:cNvPr id="58" name="文本框 57">
@@ -21410,6 +21447,36 @@
           </a:p>
         </p:txBody>
       </p:sp>
+      <p:pic>
+        <p:nvPicPr>
+          <p:cNvPr id="5" name="图片 4">
+            <a:extLst>
+              <a:ext uri="{FF2B5EF4-FFF2-40B4-BE49-F238E27FC236}">
+                <a16:creationId xmlns:a16="http://schemas.microsoft.com/office/drawing/2014/main" id="{CBF3E1C9-ADAD-49B1-9861-52E8A52E119F}"/>
+              </a:ext>
+            </a:extLst>
+          </p:cNvPr>
+          <p:cNvPicPr>
+            <a:picLocks noChangeAspect="1"/>
+          </p:cNvPicPr>
+          <p:nvPr/>
+        </p:nvPicPr>
+        <p:blipFill>
+          <a:blip r:embed="rId2"/>
+          <a:stretch>
+            <a:fillRect/>
+          </a:stretch>
+        </p:blipFill>
+        <p:spPr>
+          <a:xfrm>
+            <a:off x="3759200" y="2180517"/>
+            <a:ext cx="5709720" cy="4677482"/>
+          </a:xfrm>
+          <a:prstGeom prst="rect">
+            <a:avLst/>
+          </a:prstGeom>
+        </p:spPr>
+      </p:pic>
     </p:spTree>
     <p:extLst>
       <p:ext uri="{BB962C8B-B14F-4D97-AF65-F5344CB8AC3E}">
